--- a/Lectures/00-Introductions.pptx
+++ b/Lectures/00-Introductions.pptx
@@ -21,9 +21,12 @@
     <p:sldId id="275" r:id="rId15"/>
     <p:sldId id="276" r:id="rId16"/>
     <p:sldId id="280" r:id="rId17"/>
-    <p:sldId id="281" r:id="rId18"/>
-    <p:sldId id="277" r:id="rId19"/>
-    <p:sldId id="279" r:id="rId20"/>
+    <p:sldId id="284" r:id="rId18"/>
+    <p:sldId id="281" r:id="rId19"/>
+    <p:sldId id="277" r:id="rId20"/>
+    <p:sldId id="282" r:id="rId21"/>
+    <p:sldId id="283" r:id="rId22"/>
+    <p:sldId id="279" r:id="rId23"/>
   </p:sldIdLst>
   <p:sldSz cx="12192000" cy="6858000"/>
   <p:notesSz cx="6858000" cy="9144000"/>
@@ -6077,6 +6080,13 @@
   <p:clrMapOvr>
     <a:masterClrMapping/>
   </p:clrMapOvr>
+  <p:timing>
+    <p:tnLst>
+      <p:par>
+        <p:cTn id="1" dur="indefinite" restart="never" nodeType="tmRoot"/>
+      </p:par>
+    </p:tnLst>
+  </p:timing>
 </p:sld>
 </file>
 
@@ -6261,6 +6271,13 @@
   <p:clrMapOvr>
     <a:masterClrMapping/>
   </p:clrMapOvr>
+  <p:timing>
+    <p:tnLst>
+      <p:par>
+        <p:cTn id="1" dur="indefinite" restart="never" nodeType="tmRoot"/>
+      </p:par>
+    </p:tnLst>
+  </p:timing>
 </p:sld>
 </file>
 
@@ -6316,11 +6333,14 @@
         <p:spPr/>
         <p:txBody>
           <a:bodyPr>
-            <a:normAutofit lnSpcReduction="10000"/>
+            <a:normAutofit fontScale="92500" lnSpcReduction="20000"/>
           </a:bodyPr>
           <a:lstStyle/>
           <a:p>
             <a:pPr>
+              <a:lnSpc>
+                <a:spcPct val="150000"/>
+              </a:lnSpc>
               <a:buFont typeface="Wingdings" panose="05000000000000000000" pitchFamily="2" charset="2"/>
               <a:buChar char="Ø"/>
             </a:pPr>
@@ -6331,6 +6351,9 @@
           </a:p>
           <a:p>
             <a:pPr>
+              <a:lnSpc>
+                <a:spcPct val="150000"/>
+              </a:lnSpc>
               <a:buFont typeface="Wingdings" panose="05000000000000000000" pitchFamily="2" charset="2"/>
               <a:buChar char="Ø"/>
             </a:pPr>
@@ -6341,6 +6364,9 @@
           </a:p>
           <a:p>
             <a:pPr>
+              <a:lnSpc>
+                <a:spcPct val="150000"/>
+              </a:lnSpc>
               <a:buFont typeface="Wingdings" panose="05000000000000000000" pitchFamily="2" charset="2"/>
               <a:buChar char="Ø"/>
             </a:pPr>
@@ -6351,6 +6377,9 @@
           </a:p>
           <a:p>
             <a:pPr>
+              <a:lnSpc>
+                <a:spcPct val="150000"/>
+              </a:lnSpc>
               <a:buFont typeface="Wingdings" panose="05000000000000000000" pitchFamily="2" charset="2"/>
               <a:buChar char="Ø"/>
             </a:pPr>
@@ -6361,6 +6390,9 @@
           </a:p>
           <a:p>
             <a:pPr>
+              <a:lnSpc>
+                <a:spcPct val="150000"/>
+              </a:lnSpc>
               <a:buFont typeface="Wingdings" panose="05000000000000000000" pitchFamily="2" charset="2"/>
               <a:buChar char="Ø"/>
             </a:pPr>
@@ -6371,6 +6403,9 @@
           </a:p>
           <a:p>
             <a:pPr>
+              <a:lnSpc>
+                <a:spcPct val="150000"/>
+              </a:lnSpc>
               <a:buFont typeface="Wingdings" panose="05000000000000000000" pitchFamily="2" charset="2"/>
               <a:buChar char="Ø"/>
             </a:pPr>
@@ -6381,6 +6416,9 @@
           </a:p>
           <a:p>
             <a:pPr>
+              <a:lnSpc>
+                <a:spcPct val="150000"/>
+              </a:lnSpc>
               <a:buFont typeface="Wingdings" panose="05000000000000000000" pitchFamily="2" charset="2"/>
               <a:buChar char="Ø"/>
             </a:pPr>
@@ -6391,35 +6429,20 @@
           </a:p>
           <a:p>
             <a:pPr>
+              <a:lnSpc>
+                <a:spcPct val="150000"/>
+              </a:lnSpc>
               <a:buFont typeface="Wingdings" panose="05000000000000000000" pitchFamily="2" charset="2"/>
               <a:buChar char="Ø"/>
             </a:pPr>
             <a:r>
               <a:rPr lang="en-US" dirty="0"/>
-              <a:t>Functions:</a:t>
-            </a:r>
-          </a:p>
-          <a:p>
-            <a:pPr>
-              <a:buFont typeface="Wingdings" panose="05000000000000000000" pitchFamily="2" charset="2"/>
-              <a:buChar char="Ø"/>
-            </a:pPr>
-            <a:r>
-              <a:rPr lang="en-US" dirty="0"/>
-              <a:t>Modifiers</a:t>
-            </a:r>
-          </a:p>
-          <a:p>
-            <a:pPr lvl="1">
-              <a:buFont typeface="Wingdings" panose="05000000000000000000" pitchFamily="2" charset="2"/>
-              <a:buChar char="Ø"/>
-            </a:pPr>
-            <a:r>
-              <a:rPr lang="en-US" dirty="0"/>
-              <a:t>default, public , protected, private</a:t>
-            </a:r>
-          </a:p>
-          <a:p>
+              <a:t>Functions</a:t>
+            </a:r>
+            <a:r>
+              <a:rPr lang="en-US" dirty="0" smtClean="0"/>
+              <a:t>:</a:t>
+            </a:r>
             <a:endParaRPr lang="en-US" dirty="0"/>
           </a:p>
         </p:txBody>
@@ -6434,6 +6457,13 @@
   <p:clrMapOvr>
     <a:masterClrMapping/>
   </p:clrMapOvr>
+  <p:timing>
+    <p:tnLst>
+      <p:par>
+        <p:cTn id="1" dur="indefinite" restart="never" nodeType="tmRoot"/>
+      </p:par>
+    </p:tnLst>
+  </p:timing>
 </p:sld>
 </file>
 
@@ -6492,6 +6522,19 @@
           <a:bodyPr/>
           <a:lstStyle/>
           <a:p>
+            <a:pPr marL="342900" lvl="1" indent="-342900">
+              <a:lnSpc>
+                <a:spcPct val="200000"/>
+              </a:lnSpc>
+              <a:buFont typeface="Wingdings" panose="05000000000000000000" pitchFamily="2" charset="2"/>
+              <a:buChar char="Ø"/>
+            </a:pPr>
+            <a:r>
+              <a:rPr lang="en-US" sz="1800" dirty="0"/>
+              <a:t>Start with letters or ($ , _) and can contain digits.</a:t>
+            </a:r>
+          </a:p>
+          <a:p>
             <a:pPr>
               <a:lnSpc>
                 <a:spcPct val="200000"/>
@@ -6532,6 +6575,13 @@
   <p:clrMapOvr>
     <a:masterClrMapping/>
   </p:clrMapOvr>
+  <p:timing>
+    <p:tnLst>
+      <p:par>
+        <p:cTn id="1" dur="indefinite" restart="never" nodeType="tmRoot"/>
+      </p:par>
+    </p:tnLst>
+  </p:timing>
 </p:sld>
 </file>
 
@@ -6678,6 +6728,13 @@
   <p:clrMapOvr>
     <a:masterClrMapping/>
   </p:clrMapOvr>
+  <p:timing>
+    <p:tnLst>
+      <p:par>
+        <p:cTn id="1" dur="indefinite" restart="never" nodeType="tmRoot"/>
+      </p:par>
+    </p:tnLst>
+  </p:timing>
 </p:sld>
 </file>
 
@@ -6772,6 +6829,13 @@
   <p:clrMapOvr>
     <a:masterClrMapping/>
   </p:clrMapOvr>
+  <p:timing>
+    <p:tnLst>
+      <p:par>
+        <p:cTn id="1" dur="indefinite" restart="never" nodeType="tmRoot"/>
+      </p:par>
+    </p:tnLst>
+  </p:timing>
 </p:sld>
 </file>
 
@@ -6870,6 +6934,36 @@
           </a:p>
         </p:txBody>
       </p:sp>
+      <p:pic>
+        <p:nvPicPr>
+          <p:cNvPr id="4" name="Picture 3"/>
+          <p:cNvPicPr>
+            <a:picLocks noChangeAspect="1"/>
+          </p:cNvPicPr>
+          <p:nvPr/>
+        </p:nvPicPr>
+        <p:blipFill>
+          <a:blip r:embed="rId2">
+            <a:extLst>
+              <a:ext uri="{28A0092B-C50C-407E-A947-70E740481C1C}">
+                <a14:useLocalDpi xmlns:a14="http://schemas.microsoft.com/office/drawing/2010/main" val="0"/>
+              </a:ext>
+            </a:extLst>
+          </a:blip>
+          <a:stretch>
+            <a:fillRect/>
+          </a:stretch>
+        </p:blipFill>
+        <p:spPr>
+          <a:xfrm>
+            <a:off x="4366971" y="1680918"/>
+            <a:ext cx="3458058" cy="3496163"/>
+          </a:xfrm>
+          <a:prstGeom prst="rect">
+            <a:avLst/>
+          </a:prstGeom>
+        </p:spPr>
+      </p:pic>
     </p:spTree>
     <p:extLst>
       <p:ext uri="{BB962C8B-B14F-4D97-AF65-F5344CB8AC3E}">
@@ -6880,6 +6974,13 @@
   <p:clrMapOvr>
     <a:masterClrMapping/>
   </p:clrMapOvr>
+  <p:timing>
+    <p:tnLst>
+      <p:par>
+        <p:cTn id="1" dur="indefinite" restart="never" nodeType="tmRoot"/>
+      </p:par>
+    </p:tnLst>
+  </p:timing>
 </p:sld>
 </file>
 
@@ -6917,51 +7018,45 @@
           <a:p>
             <a:r>
               <a:rPr lang="en-US" dirty="0" smtClean="0"/>
-              <a:t>Practice</a:t>
+              <a:t>Array</a:t>
             </a:r>
             <a:endParaRPr lang="en-US" dirty="0"/>
           </a:p>
         </p:txBody>
       </p:sp>
-      <p:sp>
-        <p:nvSpPr>
-          <p:cNvPr id="3" name="Content Placeholder 2"/>
-          <p:cNvSpPr>
-            <a:spLocks noGrp="1"/>
-          </p:cNvSpPr>
+      <p:pic>
+        <p:nvPicPr>
+          <p:cNvPr id="4" name="Content Placeholder 3"/>
+          <p:cNvPicPr>
+            <a:picLocks noGrp="1" noChangeAspect="1"/>
+          </p:cNvPicPr>
           <p:nvPr>
             <p:ph idx="1"/>
           </p:nvPr>
-        </p:nvSpPr>
-        <p:spPr/>
-        <p:txBody>
-          <a:bodyPr/>
-          <a:lstStyle/>
-          <a:p>
-            <a:r>
-              <a:rPr lang="en-US" dirty="0" smtClean="0"/>
-              <a:t>Write program print maximum number between x and y</a:t>
-            </a:r>
-          </a:p>
-          <a:p>
-            <a:r>
-              <a:rPr lang="en-US" dirty="0" smtClean="0"/>
-              <a:t>Write program print  enter student degree  then print pass or fail</a:t>
-            </a:r>
-          </a:p>
-          <a:p>
-            <a:r>
-              <a:rPr lang="en-US" dirty="0" smtClean="0"/>
-              <a:t> </a:t>
-            </a:r>
-            <a:endParaRPr lang="en-US" dirty="0"/>
-          </a:p>
-        </p:txBody>
-      </p:sp>
+        </p:nvPicPr>
+        <p:blipFill>
+          <a:blip r:embed="rId2">
+            <a:extLst>
+              <a:ext uri="{28A0092B-C50C-407E-A947-70E740481C1C}">
+                <a14:useLocalDpi xmlns:a14="http://schemas.microsoft.com/office/drawing/2010/main" val="0"/>
+              </a:ext>
+            </a:extLst>
+          </a:blip>
+          <a:stretch>
+            <a:fillRect/>
+          </a:stretch>
+        </p:blipFill>
+        <p:spPr>
+          <a:xfrm>
+            <a:off x="580726" y="1930401"/>
+            <a:ext cx="8575037" cy="4630520"/>
+          </a:xfrm>
+        </p:spPr>
+      </p:pic>
     </p:spTree>
     <p:extLst>
       <p:ext uri="{BB962C8B-B14F-4D97-AF65-F5344CB8AC3E}">
-        <p14:creationId xmlns:p14="http://schemas.microsoft.com/office/powerpoint/2010/main" val="3121172540"/>
+        <p14:creationId xmlns:p14="http://schemas.microsoft.com/office/powerpoint/2010/main" val="3544641554"/>
       </p:ext>
     </p:extLst>
   </p:cSld>
@@ -7005,7 +7100,7 @@
           <a:p>
             <a:r>
               <a:rPr lang="en-US" dirty="0" smtClean="0"/>
-              <a:t>Tips</a:t>
+              <a:t>Practice</a:t>
             </a:r>
             <a:endParaRPr lang="en-US" dirty="0"/>
           </a:p>
@@ -7021,45 +7116,74 @@
             <p:ph idx="1"/>
           </p:nvPr>
         </p:nvSpPr>
-        <p:spPr>
-          <a:xfrm>
-            <a:off x="677334" y="1607127"/>
-            <a:ext cx="8596668" cy="4434235"/>
-          </a:xfrm>
-        </p:spPr>
+        <p:spPr/>
         <p:txBody>
           <a:bodyPr/>
           <a:lstStyle/>
           <a:p>
-            <a:pPr marL="0" indent="0">
-              <a:buNone/>
+            <a:pPr>
+              <a:lnSpc>
+                <a:spcPct val="150000"/>
+              </a:lnSpc>
+              <a:buFont typeface="Wingdings" panose="05000000000000000000" pitchFamily="2" charset="2"/>
+              <a:buChar char="Ø"/>
             </a:pPr>
             <a:r>
-              <a:rPr lang="en-US" sz="2400" dirty="0">
-                <a:solidFill>
-                  <a:schemeClr val="tx1"/>
-                </a:solidFill>
-              </a:rPr>
-              <a:t>Each new version of Android is named after a dessert, going in alphabetical </a:t>
-            </a:r>
-            <a:r>
-              <a:rPr lang="en-US" sz="2400" dirty="0" smtClean="0">
-                <a:solidFill>
-                  <a:schemeClr val="tx1"/>
-                </a:solidFill>
-              </a:rPr>
-              <a:t>order.</a:t>
-            </a:r>
-          </a:p>
-          <a:p>
-            <a:pPr marL="0" indent="0">
-              <a:buNone/>
+              <a:rPr lang="en-US" dirty="0" smtClean="0"/>
+              <a:t>Write program enter first name and last name then print full name</a:t>
+            </a:r>
+          </a:p>
+          <a:p>
+            <a:pPr>
+              <a:lnSpc>
+                <a:spcPct val="150000"/>
+              </a:lnSpc>
+              <a:buFont typeface="Wingdings" panose="05000000000000000000" pitchFamily="2" charset="2"/>
+              <a:buChar char="Ø"/>
             </a:pPr>
-            <a:endParaRPr lang="en-US" sz="2400" dirty="0">
-              <a:solidFill>
-                <a:schemeClr val="tx1"/>
-              </a:solidFill>
-            </a:endParaRPr>
+            <a:r>
+              <a:rPr lang="en-US" dirty="0" smtClean="0"/>
+              <a:t>Write program print maximum number between x and y</a:t>
+            </a:r>
+          </a:p>
+          <a:p>
+            <a:pPr>
+              <a:lnSpc>
+                <a:spcPct val="150000"/>
+              </a:lnSpc>
+              <a:buFont typeface="Wingdings" panose="05000000000000000000" pitchFamily="2" charset="2"/>
+              <a:buChar char="Ø"/>
+            </a:pPr>
+            <a:r>
+              <a:rPr lang="en-US" dirty="0" smtClean="0"/>
+              <a:t>Write program print  enter student degree  then print pass or fail</a:t>
+            </a:r>
+          </a:p>
+          <a:p>
+            <a:pPr>
+              <a:lnSpc>
+                <a:spcPct val="150000"/>
+              </a:lnSpc>
+              <a:buFont typeface="Wingdings" panose="05000000000000000000" pitchFamily="2" charset="2"/>
+              <a:buChar char="Ø"/>
+            </a:pPr>
+            <a:r>
+              <a:rPr lang="en-US" dirty="0" smtClean="0"/>
+              <a:t>Write program print  10 stars.</a:t>
+            </a:r>
+          </a:p>
+          <a:p>
+            <a:pPr>
+              <a:lnSpc>
+                <a:spcPct val="150000"/>
+              </a:lnSpc>
+              <a:buFont typeface="Wingdings" panose="05000000000000000000" pitchFamily="2" charset="2"/>
+              <a:buChar char="Ø"/>
+            </a:pPr>
+            <a:r>
+              <a:rPr lang="en-US" dirty="0" smtClean="0"/>
+              <a:t>White program print odd number below 10</a:t>
+            </a:r>
           </a:p>
           <a:p>
             <a:endParaRPr lang="en-US" dirty="0"/>
@@ -7069,13 +7193,20 @@
     </p:spTree>
     <p:extLst>
       <p:ext uri="{BB962C8B-B14F-4D97-AF65-F5344CB8AC3E}">
-        <p14:creationId xmlns:p14="http://schemas.microsoft.com/office/powerpoint/2010/main" val="1875640102"/>
+        <p14:creationId xmlns:p14="http://schemas.microsoft.com/office/powerpoint/2010/main" val="3121172540"/>
       </p:ext>
     </p:extLst>
   </p:cSld>
   <p:clrMapOvr>
     <a:masterClrMapping/>
   </p:clrMapOvr>
+  <p:timing>
+    <p:tnLst>
+      <p:par>
+        <p:cTn id="1" dur="indefinite" restart="never" nodeType="tmRoot"/>
+      </p:par>
+    </p:tnLst>
+  </p:timing>
 </p:sld>
 </file>
 
@@ -7098,6 +7229,29 @@
       </p:grpSpPr>
       <p:sp>
         <p:nvSpPr>
+          <p:cNvPr id="2" name="Title 1"/>
+          <p:cNvSpPr>
+            <a:spLocks noGrp="1"/>
+          </p:cNvSpPr>
+          <p:nvPr>
+            <p:ph type="title"/>
+          </p:nvPr>
+        </p:nvSpPr>
+        <p:spPr/>
+        <p:txBody>
+          <a:bodyPr/>
+          <a:lstStyle/>
+          <a:p>
+            <a:r>
+              <a:rPr lang="en-US" dirty="0" smtClean="0"/>
+              <a:t>Tips</a:t>
+            </a:r>
+            <a:endParaRPr lang="en-US" dirty="0"/>
+          </a:p>
+        </p:txBody>
+      </p:sp>
+      <p:sp>
+        <p:nvSpPr>
           <p:cNvPr id="3" name="Content Placeholder 2"/>
           <p:cNvSpPr>
             <a:spLocks noGrp="1"/>
@@ -7108,56 +7262,43 @@
         </p:nvSpPr>
         <p:spPr>
           <a:xfrm>
-            <a:off x="635771" y="2286000"/>
-            <a:ext cx="8596668" cy="2633144"/>
+            <a:off x="677334" y="1607127"/>
+            <a:ext cx="8596668" cy="4434235"/>
           </a:xfrm>
         </p:spPr>
         <p:txBody>
           <a:bodyPr/>
           <a:lstStyle/>
           <a:p>
-            <a:pPr marL="0" indent="0" algn="ctr">
+            <a:pPr marL="0" indent="0">
               <a:buNone/>
             </a:pPr>
             <a:r>
-              <a:rPr lang="en-US" sz="5400" dirty="0">
-                <a:solidFill>
-                  <a:srgbClr val="FF0000"/>
+              <a:rPr lang="en-US" sz="2400" dirty="0">
+                <a:solidFill>
+                  <a:schemeClr val="tx1"/>
                 </a:solidFill>
               </a:rPr>
-              <a:t>Thank you </a:t>
-            </a:r>
-            <a:r>
-              <a:rPr lang="en-US" sz="5400" dirty="0" smtClean="0">
-                <a:solidFill>
-                  <a:srgbClr val="FF0000"/>
+              <a:t>Each new version of Android is named after a dessert, going in alphabetical </a:t>
+            </a:r>
+            <a:r>
+              <a:rPr lang="en-US" sz="2400" dirty="0" smtClean="0">
+                <a:solidFill>
+                  <a:schemeClr val="tx1"/>
                 </a:solidFill>
               </a:rPr>
-              <a:t/>
-            </a:r>
-            <a:br>
-              <a:rPr lang="en-US" sz="5400" dirty="0" smtClean="0">
-                <a:solidFill>
-                  <a:srgbClr val="FF0000"/>
-                </a:solidFill>
-              </a:rPr>
-            </a:br>
-            <a:r>
-              <a:rPr lang="en-US" sz="5400" dirty="0" smtClean="0">
-                <a:solidFill>
-                  <a:srgbClr val="FF0000"/>
-                </a:solidFill>
-              </a:rPr>
-              <a:t>for your </a:t>
-            </a:r>
-            <a:r>
-              <a:rPr lang="en-US" sz="5400" dirty="0">
-                <a:solidFill>
-                  <a:srgbClr val="FF0000"/>
-                </a:solidFill>
-              </a:rPr>
-              <a:t>attention</a:t>
-            </a:r>
+              <a:t>order.</a:t>
+            </a:r>
+          </a:p>
+          <a:p>
+            <a:pPr marL="0" indent="0">
+              <a:buNone/>
+            </a:pPr>
+            <a:endParaRPr lang="en-US" sz="2400" dirty="0">
+              <a:solidFill>
+                <a:schemeClr val="tx1"/>
+              </a:solidFill>
+            </a:endParaRPr>
           </a:p>
           <a:p>
             <a:endParaRPr lang="en-US" dirty="0"/>
@@ -7167,13 +7308,20 @@
     </p:spTree>
     <p:extLst>
       <p:ext uri="{BB962C8B-B14F-4D97-AF65-F5344CB8AC3E}">
-        <p14:creationId xmlns:p14="http://schemas.microsoft.com/office/powerpoint/2010/main" val="2012640697"/>
+        <p14:creationId xmlns:p14="http://schemas.microsoft.com/office/powerpoint/2010/main" val="1875640102"/>
       </p:ext>
     </p:extLst>
   </p:cSld>
   <p:clrMapOvr>
     <a:masterClrMapping/>
   </p:clrMapOvr>
+  <p:timing>
+    <p:tnLst>
+      <p:par>
+        <p:cTn id="1" dur="indefinite" restart="never" nodeType="tmRoot"/>
+      </p:par>
+    </p:tnLst>
+  </p:timing>
 </p:sld>
 </file>
 
@@ -7251,6 +7399,269 @@
     <p:extLst>
       <p:ext uri="{BB962C8B-B14F-4D97-AF65-F5344CB8AC3E}">
         <p14:creationId xmlns:p14="http://schemas.microsoft.com/office/powerpoint/2010/main" val="3520573723"/>
+      </p:ext>
+    </p:extLst>
+  </p:cSld>
+  <p:clrMapOvr>
+    <a:masterClrMapping/>
+  </p:clrMapOvr>
+  <p:timing>
+    <p:tnLst>
+      <p:par>
+        <p:cTn id="1" dur="indefinite" restart="never" nodeType="tmRoot"/>
+      </p:par>
+    </p:tnLst>
+  </p:timing>
+</p:sld>
+</file>
+
+<file path=ppt/slides/slide20.xml><?xml version="1.0" encoding="utf-8"?>
+<p:sld xmlns:a="http://schemas.openxmlformats.org/drawingml/2006/main" xmlns:r="http://schemas.openxmlformats.org/officeDocument/2006/relationships" xmlns:p="http://schemas.openxmlformats.org/presentationml/2006/main">
+  <p:cSld>
+    <p:spTree>
+      <p:nvGrpSpPr>
+        <p:cNvPr id="1" name=""/>
+        <p:cNvGrpSpPr/>
+        <p:nvPr/>
+      </p:nvGrpSpPr>
+      <p:grpSpPr>
+        <a:xfrm>
+          <a:off x="0" y="0"/>
+          <a:ext cx="0" cy="0"/>
+          <a:chOff x="0" y="0"/>
+          <a:chExt cx="0" cy="0"/>
+        </a:xfrm>
+      </p:grpSpPr>
+      <p:pic>
+        <p:nvPicPr>
+          <p:cNvPr id="4" name="Content Placeholder 3"/>
+          <p:cNvPicPr>
+            <a:picLocks noGrp="1" noChangeAspect="1"/>
+          </p:cNvPicPr>
+          <p:nvPr>
+            <p:ph idx="1"/>
+          </p:nvPr>
+        </p:nvPicPr>
+        <p:blipFill>
+          <a:blip r:embed="rId2">
+            <a:extLst>
+              <a:ext uri="{28A0092B-C50C-407E-A947-70E740481C1C}">
+                <a14:useLocalDpi xmlns:a14="http://schemas.microsoft.com/office/drawing/2010/main" val="0"/>
+              </a:ext>
+            </a:extLst>
+          </a:blip>
+          <a:stretch>
+            <a:fillRect/>
+          </a:stretch>
+        </p:blipFill>
+        <p:spPr>
+          <a:xfrm>
+            <a:off x="1" y="0"/>
+            <a:ext cx="12192000" cy="6858001"/>
+          </a:xfrm>
+          <a:prstGeom prst="rect">
+            <a:avLst/>
+          </a:prstGeom>
+        </p:spPr>
+      </p:pic>
+    </p:spTree>
+    <p:extLst>
+      <p:ext uri="{BB962C8B-B14F-4D97-AF65-F5344CB8AC3E}">
+        <p14:creationId xmlns:p14="http://schemas.microsoft.com/office/powerpoint/2010/main" val="3876799903"/>
+      </p:ext>
+    </p:extLst>
+  </p:cSld>
+  <p:clrMapOvr>
+    <a:masterClrMapping/>
+  </p:clrMapOvr>
+  <p:timing>
+    <p:tnLst>
+      <p:par>
+        <p:cTn id="1" dur="indefinite" restart="never" nodeType="tmRoot"/>
+      </p:par>
+    </p:tnLst>
+  </p:timing>
+</p:sld>
+</file>
+
+<file path=ppt/slides/slide21.xml><?xml version="1.0" encoding="utf-8"?>
+<p:sld xmlns:a="http://schemas.openxmlformats.org/drawingml/2006/main" xmlns:r="http://schemas.openxmlformats.org/officeDocument/2006/relationships" xmlns:p="http://schemas.openxmlformats.org/presentationml/2006/main">
+  <p:cSld>
+    <p:spTree>
+      <p:nvGrpSpPr>
+        <p:cNvPr id="1" name=""/>
+        <p:cNvGrpSpPr/>
+        <p:nvPr/>
+      </p:nvGrpSpPr>
+      <p:grpSpPr>
+        <a:xfrm>
+          <a:off x="0" y="0"/>
+          <a:ext cx="0" cy="0"/>
+          <a:chOff x="0" y="0"/>
+          <a:chExt cx="0" cy="0"/>
+        </a:xfrm>
+      </p:grpSpPr>
+      <p:sp>
+        <p:nvSpPr>
+          <p:cNvPr id="2" name="Title 1"/>
+          <p:cNvSpPr>
+            <a:spLocks noGrp="1"/>
+          </p:cNvSpPr>
+          <p:nvPr>
+            <p:ph type="title"/>
+          </p:nvPr>
+        </p:nvSpPr>
+        <p:spPr/>
+        <p:txBody>
+          <a:bodyPr/>
+          <a:lstStyle/>
+          <a:p>
+            <a:r>
+              <a:rPr lang="en-US" dirty="0" smtClean="0"/>
+              <a:t>Next version P</a:t>
+            </a:r>
+            <a:endParaRPr lang="en-US" dirty="0"/>
+          </a:p>
+        </p:txBody>
+      </p:sp>
+      <p:pic>
+        <p:nvPicPr>
+          <p:cNvPr id="4" name="Content Placeholder 3"/>
+          <p:cNvPicPr>
+            <a:picLocks noGrp="1" noChangeAspect="1"/>
+          </p:cNvPicPr>
+          <p:nvPr>
+            <p:ph idx="1"/>
+          </p:nvPr>
+        </p:nvPicPr>
+        <p:blipFill>
+          <a:blip r:embed="rId2">
+            <a:extLst>
+              <a:ext uri="{28A0092B-C50C-407E-A947-70E740481C1C}">
+                <a14:useLocalDpi xmlns:a14="http://schemas.microsoft.com/office/drawing/2010/main" val="0"/>
+              </a:ext>
+            </a:extLst>
+          </a:blip>
+          <a:stretch>
+            <a:fillRect/>
+          </a:stretch>
+        </p:blipFill>
+        <p:spPr>
+          <a:xfrm>
+            <a:off x="2314945" y="1500909"/>
+            <a:ext cx="4927600" cy="4927600"/>
+          </a:xfrm>
+        </p:spPr>
+      </p:pic>
+    </p:spTree>
+    <p:extLst>
+      <p:ext uri="{BB962C8B-B14F-4D97-AF65-F5344CB8AC3E}">
+        <p14:creationId xmlns:p14="http://schemas.microsoft.com/office/powerpoint/2010/main" val="3055724104"/>
+      </p:ext>
+    </p:extLst>
+  </p:cSld>
+  <p:clrMapOvr>
+    <a:masterClrMapping/>
+  </p:clrMapOvr>
+  <p:timing>
+    <p:tnLst>
+      <p:par>
+        <p:cTn id="1" dur="indefinite" restart="never" nodeType="tmRoot"/>
+      </p:par>
+    </p:tnLst>
+  </p:timing>
+</p:sld>
+</file>
+
+<file path=ppt/slides/slide22.xml><?xml version="1.0" encoding="utf-8"?>
+<p:sld xmlns:a="http://schemas.openxmlformats.org/drawingml/2006/main" xmlns:r="http://schemas.openxmlformats.org/officeDocument/2006/relationships" xmlns:p="http://schemas.openxmlformats.org/presentationml/2006/main">
+  <p:cSld>
+    <p:spTree>
+      <p:nvGrpSpPr>
+        <p:cNvPr id="1" name=""/>
+        <p:cNvGrpSpPr/>
+        <p:nvPr/>
+      </p:nvGrpSpPr>
+      <p:grpSpPr>
+        <a:xfrm>
+          <a:off x="0" y="0"/>
+          <a:ext cx="0" cy="0"/>
+          <a:chOff x="0" y="0"/>
+          <a:chExt cx="0" cy="0"/>
+        </a:xfrm>
+      </p:grpSpPr>
+      <p:sp>
+        <p:nvSpPr>
+          <p:cNvPr id="3" name="Content Placeholder 2"/>
+          <p:cNvSpPr>
+            <a:spLocks noGrp="1"/>
+          </p:cNvSpPr>
+          <p:nvPr>
+            <p:ph idx="1"/>
+          </p:nvPr>
+        </p:nvSpPr>
+        <p:spPr>
+          <a:xfrm>
+            <a:off x="635771" y="2286000"/>
+            <a:ext cx="8596668" cy="2633144"/>
+          </a:xfrm>
+        </p:spPr>
+        <p:txBody>
+          <a:bodyPr/>
+          <a:lstStyle/>
+          <a:p>
+            <a:pPr marL="0" indent="0" algn="ctr">
+              <a:buNone/>
+            </a:pPr>
+            <a:r>
+              <a:rPr lang="en-US" sz="5400" dirty="0">
+                <a:solidFill>
+                  <a:srgbClr val="FF0000"/>
+                </a:solidFill>
+              </a:rPr>
+              <a:t>Thank you </a:t>
+            </a:r>
+            <a:r>
+              <a:rPr lang="en-US" sz="5400" dirty="0" smtClean="0">
+                <a:solidFill>
+                  <a:srgbClr val="FF0000"/>
+                </a:solidFill>
+              </a:rPr>
+              <a:t/>
+            </a:r>
+            <a:br>
+              <a:rPr lang="en-US" sz="5400" dirty="0" smtClean="0">
+                <a:solidFill>
+                  <a:srgbClr val="FF0000"/>
+                </a:solidFill>
+              </a:rPr>
+            </a:br>
+            <a:r>
+              <a:rPr lang="en-US" sz="5400" dirty="0" smtClean="0">
+                <a:solidFill>
+                  <a:srgbClr val="FF0000"/>
+                </a:solidFill>
+              </a:rPr>
+              <a:t>for your </a:t>
+            </a:r>
+            <a:r>
+              <a:rPr lang="en-US" sz="5400" dirty="0">
+                <a:solidFill>
+                  <a:srgbClr val="FF0000"/>
+                </a:solidFill>
+              </a:rPr>
+              <a:t>attention</a:t>
+            </a:r>
+          </a:p>
+          <a:p>
+            <a:endParaRPr lang="en-US" dirty="0"/>
+          </a:p>
+        </p:txBody>
+      </p:sp>
+    </p:spTree>
+    <p:extLst>
+      <p:ext uri="{BB962C8B-B14F-4D97-AF65-F5344CB8AC3E}">
+        <p14:creationId xmlns:p14="http://schemas.microsoft.com/office/powerpoint/2010/main" val="2012640697"/>
       </p:ext>
     </p:extLst>
   </p:cSld>
@@ -7665,6 +8076,13 @@
   <p:clrMapOvr>
     <a:masterClrMapping/>
   </p:clrMapOvr>
+  <p:timing>
+    <p:tnLst>
+      <p:par>
+        <p:cTn id="1" dur="indefinite" restart="never" nodeType="tmRoot"/>
+      </p:par>
+    </p:tnLst>
+  </p:timing>
 </p:sld>
 </file>
 
@@ -7743,6 +8161,13 @@
   <p:clrMapOvr>
     <a:masterClrMapping/>
   </p:clrMapOvr>
+  <p:timing>
+    <p:tnLst>
+      <p:par>
+        <p:cTn id="1" dur="indefinite" restart="never" nodeType="tmRoot"/>
+      </p:par>
+    </p:tnLst>
+  </p:timing>
 </p:sld>
 </file>
 
@@ -7880,6 +8305,13 @@
   <p:clrMapOvr>
     <a:masterClrMapping/>
   </p:clrMapOvr>
+  <p:timing>
+    <p:tnLst>
+      <p:par>
+        <p:cTn id="1" dur="indefinite" restart="never" nodeType="tmRoot"/>
+      </p:par>
+    </p:tnLst>
+  </p:timing>
 </p:sld>
 </file>
 
@@ -8027,6 +8459,13 @@
   <p:clrMapOvr>
     <a:masterClrMapping/>
   </p:clrMapOvr>
+  <p:timing>
+    <p:tnLst>
+      <p:par>
+        <p:cTn id="1" dur="indefinite" restart="never" nodeType="tmRoot"/>
+      </p:par>
+    </p:tnLst>
+  </p:timing>
 </p:sld>
 </file>
 
@@ -8150,6 +8589,13 @@
   <p:clrMapOvr>
     <a:masterClrMapping/>
   </p:clrMapOvr>
+  <p:timing>
+    <p:tnLst>
+      <p:par>
+        <p:cTn id="1" dur="indefinite" restart="never" nodeType="tmRoot"/>
+      </p:par>
+    </p:tnLst>
+  </p:timing>
 </p:sld>
 </file>
 
